--- a/Python/FinalTest/20170677_오융택.pptx
+++ b/Python/FinalTest/20170677_오융택.pptx
@@ -12,6 +12,10 @@
     <p:sldId id="260" r:id="rId6"/>
     <p:sldId id="261" r:id="rId7"/>
     <p:sldId id="262" r:id="rId8"/>
+    <p:sldId id="263" r:id="rId9"/>
+    <p:sldId id="264" r:id="rId10"/>
+    <p:sldId id="265" r:id="rId11"/>
+    <p:sldId id="266" r:id="rId12"/>
   </p:sldIdLst>
   <p:sldSz cx="12192000" cy="6858000"/>
   <p:notesSz cx="6858000" cy="9144000"/>
@@ -305,7 +309,7 @@
           <a:p>
             <a:fld id="{E480F7A0-8FEC-47D5-BB37-ABCD7C7B2480}" type="datetimeFigureOut">
               <a:rPr lang="ko-KR" altLang="en-US" smtClean="0"/>
-              <a:t>2023-06-05</a:t>
+              <a:t>2023-06-13</a:t>
             </a:fld>
             <a:endParaRPr lang="ko-KR" altLang="en-US"/>
           </a:p>
@@ -2109,7 +2113,7 @@
           <a:p>
             <a:fld id="{E480F7A0-8FEC-47D5-BB37-ABCD7C7B2480}" type="datetimeFigureOut">
               <a:rPr lang="ko-KR" altLang="en-US" smtClean="0"/>
-              <a:t>2023-06-05</a:t>
+              <a:t>2023-06-13</a:t>
             </a:fld>
             <a:endParaRPr lang="ko-KR" altLang="en-US"/>
           </a:p>
@@ -2289,7 +2293,7 @@
           <a:p>
             <a:fld id="{E480F7A0-8FEC-47D5-BB37-ABCD7C7B2480}" type="datetimeFigureOut">
               <a:rPr lang="ko-KR" altLang="en-US" smtClean="0"/>
-              <a:t>2023-06-05</a:t>
+              <a:t>2023-06-13</a:t>
             </a:fld>
             <a:endParaRPr lang="ko-KR" altLang="en-US"/>
           </a:p>
@@ -2464,7 +2468,7 @@
           <a:p>
             <a:fld id="{E480F7A0-8FEC-47D5-BB37-ABCD7C7B2480}" type="datetimeFigureOut">
               <a:rPr lang="ko-KR" altLang="en-US" smtClean="0"/>
-              <a:t>2023-06-05</a:t>
+              <a:t>2023-06-13</a:t>
             </a:fld>
             <a:endParaRPr lang="ko-KR" altLang="en-US"/>
           </a:p>
@@ -2712,7 +2716,7 @@
           <a:p>
             <a:fld id="{E480F7A0-8FEC-47D5-BB37-ABCD7C7B2480}" type="datetimeFigureOut">
               <a:rPr lang="ko-KR" altLang="en-US" smtClean="0"/>
-              <a:t>2023-06-05</a:t>
+              <a:t>2023-06-13</a:t>
             </a:fld>
             <a:endParaRPr lang="ko-KR" altLang="en-US"/>
           </a:p>
@@ -4634,7 +4638,7 @@
           <a:p>
             <a:fld id="{E480F7A0-8FEC-47D5-BB37-ABCD7C7B2480}" type="datetimeFigureOut">
               <a:rPr lang="ko-KR" altLang="en-US" smtClean="0"/>
-              <a:t>2023-06-05</a:t>
+              <a:t>2023-06-13</a:t>
             </a:fld>
             <a:endParaRPr lang="ko-KR" altLang="en-US"/>
           </a:p>
@@ -5070,7 +5074,7 @@
           <a:p>
             <a:fld id="{E480F7A0-8FEC-47D5-BB37-ABCD7C7B2480}" type="datetimeFigureOut">
               <a:rPr lang="ko-KR" altLang="en-US" smtClean="0"/>
-              <a:t>2023-06-05</a:t>
+              <a:t>2023-06-13</a:t>
             </a:fld>
             <a:endParaRPr lang="ko-KR" altLang="en-US"/>
           </a:p>
@@ -5188,7 +5192,7 @@
           <a:p>
             <a:fld id="{E480F7A0-8FEC-47D5-BB37-ABCD7C7B2480}" type="datetimeFigureOut">
               <a:rPr lang="ko-KR" altLang="en-US" smtClean="0"/>
-              <a:t>2023-06-05</a:t>
+              <a:t>2023-06-13</a:t>
             </a:fld>
             <a:endParaRPr lang="ko-KR" altLang="en-US"/>
           </a:p>
@@ -5283,7 +5287,7 @@
           <a:p>
             <a:fld id="{E480F7A0-8FEC-47D5-BB37-ABCD7C7B2480}" type="datetimeFigureOut">
               <a:rPr lang="ko-KR" altLang="en-US" smtClean="0"/>
-              <a:t>2023-06-05</a:t>
+              <a:t>2023-06-13</a:t>
             </a:fld>
             <a:endParaRPr lang="ko-KR" altLang="en-US"/>
           </a:p>
@@ -5580,7 +5584,7 @@
           <a:p>
             <a:fld id="{E480F7A0-8FEC-47D5-BB37-ABCD7C7B2480}" type="datetimeFigureOut">
               <a:rPr lang="ko-KR" altLang="en-US" smtClean="0"/>
-              <a:t>2023-06-05</a:t>
+              <a:t>2023-06-13</a:t>
             </a:fld>
             <a:endParaRPr lang="ko-KR" altLang="en-US"/>
           </a:p>
@@ -5852,7 +5856,7 @@
           <a:p>
             <a:fld id="{E480F7A0-8FEC-47D5-BB37-ABCD7C7B2480}" type="datetimeFigureOut">
               <a:rPr lang="ko-KR" altLang="en-US" smtClean="0"/>
-              <a:t>2023-06-05</a:t>
+              <a:t>2023-06-13</a:t>
             </a:fld>
             <a:endParaRPr lang="ko-KR" altLang="en-US"/>
           </a:p>
@@ -8965,7 +8969,7 @@
           <a:p>
             <a:fld id="{E480F7A0-8FEC-47D5-BB37-ABCD7C7B2480}" type="datetimeFigureOut">
               <a:rPr lang="ko-KR" altLang="en-US" smtClean="0"/>
-              <a:t>2023-06-05</a:t>
+              <a:t>2023-06-13</a:t>
             </a:fld>
             <a:endParaRPr lang="ko-KR" altLang="en-US"/>
           </a:p>
@@ -9667,6 +9671,262 @@
 </p:sld>
 </file>
 
+<file path=ppt/slides/slide10.xml><?xml version="1.0" encoding="utf-8"?>
+<p:sld xmlns:a="http://schemas.openxmlformats.org/drawingml/2006/main" xmlns:r="http://schemas.openxmlformats.org/officeDocument/2006/relationships" xmlns:p="http://schemas.openxmlformats.org/presentationml/2006/main">
+  <p:cSld>
+    <p:spTree>
+      <p:nvGrpSpPr>
+        <p:cNvPr id="1" name=""/>
+        <p:cNvGrpSpPr/>
+        <p:nvPr/>
+      </p:nvGrpSpPr>
+      <p:grpSpPr>
+        <a:xfrm>
+          <a:off x="0" y="0"/>
+          <a:ext cx="0" cy="0"/>
+          <a:chOff x="0" y="0"/>
+          <a:chExt cx="0" cy="0"/>
+        </a:xfrm>
+      </p:grpSpPr>
+      <p:sp>
+        <p:nvSpPr>
+          <p:cNvPr id="2" name="제목 1">
+            <a:extLst>
+              <a:ext uri="{FF2B5EF4-FFF2-40B4-BE49-F238E27FC236}">
+                <a16:creationId xmlns:a16="http://schemas.microsoft.com/office/drawing/2014/main" id="{1D121055-DD0A-595B-4608-67C21B6F0070}"/>
+              </a:ext>
+            </a:extLst>
+          </p:cNvPr>
+          <p:cNvSpPr>
+            <a:spLocks noGrp="1"/>
+          </p:cNvSpPr>
+          <p:nvPr>
+            <p:ph type="title"/>
+          </p:nvPr>
+        </p:nvSpPr>
+        <p:spPr/>
+        <p:txBody>
+          <a:bodyPr/>
+          <a:lstStyle/>
+          <a:p>
+            <a:r>
+              <a:rPr lang="ko-KR" altLang="en-US" dirty="0"/>
+              <a:t>결과화면</a:t>
+            </a:r>
+          </a:p>
+        </p:txBody>
+      </p:sp>
+      <p:sp>
+        <p:nvSpPr>
+          <p:cNvPr id="3" name="내용 개체 틀 2">
+            <a:extLst>
+              <a:ext uri="{FF2B5EF4-FFF2-40B4-BE49-F238E27FC236}">
+                <a16:creationId xmlns:a16="http://schemas.microsoft.com/office/drawing/2014/main" id="{2D70DF40-C1CF-E8DE-055D-07223DF9D6D7}"/>
+              </a:ext>
+            </a:extLst>
+          </p:cNvPr>
+          <p:cNvSpPr>
+            <a:spLocks noGrp="1"/>
+          </p:cNvSpPr>
+          <p:nvPr>
+            <p:ph idx="1"/>
+          </p:nvPr>
+        </p:nvSpPr>
+        <p:spPr/>
+        <p:txBody>
+          <a:bodyPr>
+            <a:normAutofit/>
+          </a:bodyPr>
+          <a:lstStyle/>
+          <a:p>
+            <a:pPr marL="0" indent="0">
+              <a:buNone/>
+            </a:pPr>
+            <a:r>
+              <a:rPr lang="en-US" altLang="ko-KR" sz="4000" dirty="0" err="1"/>
+              <a:t>LotteCinema</a:t>
+            </a:r>
+            <a:endParaRPr lang="ko-KR" altLang="en-US" sz="4000" dirty="0"/>
+          </a:p>
+        </p:txBody>
+      </p:sp>
+      <p:pic>
+        <p:nvPicPr>
+          <p:cNvPr id="5" name="그림 4" descr="스크린샷, 텍스트, 폰트이(가) 표시된 사진&#10;&#10;자동 생성된 설명">
+            <a:extLst>
+              <a:ext uri="{FF2B5EF4-FFF2-40B4-BE49-F238E27FC236}">
+                <a16:creationId xmlns:a16="http://schemas.microsoft.com/office/drawing/2014/main" id="{B523DDC5-F8BA-600F-FD38-8A6D15EFBFF5}"/>
+              </a:ext>
+            </a:extLst>
+          </p:cNvPr>
+          <p:cNvPicPr>
+            <a:picLocks noChangeAspect="1"/>
+          </p:cNvPicPr>
+          <p:nvPr/>
+        </p:nvPicPr>
+        <p:blipFill>
+          <a:blip r:embed="rId2">
+            <a:extLst>
+              <a:ext uri="{28A0092B-C50C-407E-A947-70E740481C1C}">
+                <a14:useLocalDpi xmlns:a14="http://schemas.microsoft.com/office/drawing/2010/main" val="0"/>
+              </a:ext>
+            </a:extLst>
+          </a:blip>
+          <a:stretch>
+            <a:fillRect/>
+          </a:stretch>
+        </p:blipFill>
+        <p:spPr>
+          <a:xfrm>
+            <a:off x="0" y="2328286"/>
+            <a:ext cx="12192000" cy="4529714"/>
+          </a:xfrm>
+          <a:prstGeom prst="rect">
+            <a:avLst/>
+          </a:prstGeom>
+        </p:spPr>
+      </p:pic>
+    </p:spTree>
+    <p:extLst>
+      <p:ext uri="{BB962C8B-B14F-4D97-AF65-F5344CB8AC3E}">
+        <p14:creationId xmlns:p14="http://schemas.microsoft.com/office/powerpoint/2010/main" val="2667597652"/>
+      </p:ext>
+    </p:extLst>
+  </p:cSld>
+  <p:clrMapOvr>
+    <a:masterClrMapping/>
+  </p:clrMapOvr>
+</p:sld>
+</file>
+
+<file path=ppt/slides/slide11.xml><?xml version="1.0" encoding="utf-8"?>
+<p:sld xmlns:a="http://schemas.openxmlformats.org/drawingml/2006/main" xmlns:r="http://schemas.openxmlformats.org/officeDocument/2006/relationships" xmlns:p="http://schemas.openxmlformats.org/presentationml/2006/main">
+  <p:cSld>
+    <p:spTree>
+      <p:nvGrpSpPr>
+        <p:cNvPr id="1" name=""/>
+        <p:cNvGrpSpPr/>
+        <p:nvPr/>
+      </p:nvGrpSpPr>
+      <p:grpSpPr>
+        <a:xfrm>
+          <a:off x="0" y="0"/>
+          <a:ext cx="0" cy="0"/>
+          <a:chOff x="0" y="0"/>
+          <a:chExt cx="0" cy="0"/>
+        </a:xfrm>
+      </p:grpSpPr>
+      <p:sp>
+        <p:nvSpPr>
+          <p:cNvPr id="2" name="제목 1">
+            <a:extLst>
+              <a:ext uri="{FF2B5EF4-FFF2-40B4-BE49-F238E27FC236}">
+                <a16:creationId xmlns:a16="http://schemas.microsoft.com/office/drawing/2014/main" id="{1D121055-DD0A-595B-4608-67C21B6F0070}"/>
+              </a:ext>
+            </a:extLst>
+          </p:cNvPr>
+          <p:cNvSpPr>
+            <a:spLocks noGrp="1"/>
+          </p:cNvSpPr>
+          <p:nvPr>
+            <p:ph type="title"/>
+          </p:nvPr>
+        </p:nvSpPr>
+        <p:spPr/>
+        <p:txBody>
+          <a:bodyPr/>
+          <a:lstStyle/>
+          <a:p>
+            <a:r>
+              <a:rPr lang="ko-KR" altLang="en-US" dirty="0"/>
+              <a:t>결과화면</a:t>
+            </a:r>
+          </a:p>
+        </p:txBody>
+      </p:sp>
+      <p:sp>
+        <p:nvSpPr>
+          <p:cNvPr id="3" name="내용 개체 틀 2">
+            <a:extLst>
+              <a:ext uri="{FF2B5EF4-FFF2-40B4-BE49-F238E27FC236}">
+                <a16:creationId xmlns:a16="http://schemas.microsoft.com/office/drawing/2014/main" id="{2D70DF40-C1CF-E8DE-055D-07223DF9D6D7}"/>
+              </a:ext>
+            </a:extLst>
+          </p:cNvPr>
+          <p:cNvSpPr>
+            <a:spLocks noGrp="1"/>
+          </p:cNvSpPr>
+          <p:nvPr>
+            <p:ph idx="1"/>
+          </p:nvPr>
+        </p:nvSpPr>
+        <p:spPr/>
+        <p:txBody>
+          <a:bodyPr>
+            <a:normAutofit/>
+          </a:bodyPr>
+          <a:lstStyle/>
+          <a:p>
+            <a:pPr marL="0" indent="0">
+              <a:buNone/>
+            </a:pPr>
+            <a:r>
+              <a:rPr lang="en-US" altLang="ko-KR" sz="4000" dirty="0"/>
+              <a:t>Megabox</a:t>
+            </a:r>
+            <a:endParaRPr lang="ko-KR" altLang="en-US" sz="4000" dirty="0"/>
+          </a:p>
+        </p:txBody>
+      </p:sp>
+      <p:pic>
+        <p:nvPicPr>
+          <p:cNvPr id="5" name="그림 4" descr="텍스트, 스크린샷이(가) 표시된 사진&#10;&#10;자동 생성된 설명">
+            <a:extLst>
+              <a:ext uri="{FF2B5EF4-FFF2-40B4-BE49-F238E27FC236}">
+                <a16:creationId xmlns:a16="http://schemas.microsoft.com/office/drawing/2014/main" id="{022A9536-F3CB-AC2B-09AF-C9244CF2757E}"/>
+              </a:ext>
+            </a:extLst>
+          </p:cNvPr>
+          <p:cNvPicPr>
+            <a:picLocks noChangeAspect="1"/>
+          </p:cNvPicPr>
+          <p:nvPr/>
+        </p:nvPicPr>
+        <p:blipFill>
+          <a:blip r:embed="rId2">
+            <a:extLst>
+              <a:ext uri="{28A0092B-C50C-407E-A947-70E740481C1C}">
+                <a14:useLocalDpi xmlns:a14="http://schemas.microsoft.com/office/drawing/2010/main" val="0"/>
+              </a:ext>
+            </a:extLst>
+          </a:blip>
+          <a:stretch>
+            <a:fillRect/>
+          </a:stretch>
+        </p:blipFill>
+        <p:spPr>
+          <a:xfrm>
+            <a:off x="0" y="2211355"/>
+            <a:ext cx="12192000" cy="4646645"/>
+          </a:xfrm>
+          <a:prstGeom prst="rect">
+            <a:avLst/>
+          </a:prstGeom>
+        </p:spPr>
+      </p:pic>
+    </p:spTree>
+    <p:extLst>
+      <p:ext uri="{BB962C8B-B14F-4D97-AF65-F5344CB8AC3E}">
+        <p14:creationId xmlns:p14="http://schemas.microsoft.com/office/powerpoint/2010/main" val="35618808"/>
+      </p:ext>
+    </p:extLst>
+  </p:cSld>
+  <p:clrMapOvr>
+    <a:masterClrMapping/>
+  </p:clrMapOvr>
+</p:sld>
+</file>
+
 <file path=ppt/slides/slide2.xml><?xml version="1.0" encoding="utf-8"?>
 <p:sld xmlns:a="http://schemas.openxmlformats.org/drawingml/2006/main" xmlns:r="http://schemas.openxmlformats.org/officeDocument/2006/relationships" xmlns:p="http://schemas.openxmlformats.org/presentationml/2006/main">
   <p:cSld>
@@ -11418,6 +11678,369 @@
     <p:extLst>
       <p:ext uri="{BB962C8B-B14F-4D97-AF65-F5344CB8AC3E}">
         <p14:creationId xmlns:p14="http://schemas.microsoft.com/office/powerpoint/2010/main" val="4167858881"/>
+      </p:ext>
+    </p:extLst>
+  </p:cSld>
+  <p:clrMapOvr>
+    <a:masterClrMapping/>
+  </p:clrMapOvr>
+</p:sld>
+</file>
+
+<file path=ppt/slides/slide8.xml><?xml version="1.0" encoding="utf-8"?>
+<p:sld xmlns:a="http://schemas.openxmlformats.org/drawingml/2006/main" xmlns:r="http://schemas.openxmlformats.org/officeDocument/2006/relationships" xmlns:p="http://schemas.openxmlformats.org/presentationml/2006/main">
+  <p:cSld>
+    <p:spTree>
+      <p:nvGrpSpPr>
+        <p:cNvPr id="1" name=""/>
+        <p:cNvGrpSpPr/>
+        <p:nvPr/>
+      </p:nvGrpSpPr>
+      <p:grpSpPr>
+        <a:xfrm>
+          <a:off x="0" y="0"/>
+          <a:ext cx="0" cy="0"/>
+          <a:chOff x="0" y="0"/>
+          <a:chExt cx="0" cy="0"/>
+        </a:xfrm>
+      </p:grpSpPr>
+      <p:sp>
+        <p:nvSpPr>
+          <p:cNvPr id="2" name="제목 1">
+            <a:extLst>
+              <a:ext uri="{FF2B5EF4-FFF2-40B4-BE49-F238E27FC236}">
+                <a16:creationId xmlns:a16="http://schemas.microsoft.com/office/drawing/2014/main" id="{1D121055-DD0A-595B-4608-67C21B6F0070}"/>
+              </a:ext>
+            </a:extLst>
+          </p:cNvPr>
+          <p:cNvSpPr>
+            <a:spLocks noGrp="1"/>
+          </p:cNvSpPr>
+          <p:nvPr>
+            <p:ph type="title"/>
+          </p:nvPr>
+        </p:nvSpPr>
+        <p:spPr/>
+        <p:txBody>
+          <a:bodyPr/>
+          <a:lstStyle/>
+          <a:p>
+            <a:r>
+              <a:rPr lang="en-US" altLang="ko-KR" dirty="0"/>
+              <a:t>DataCrowl.py</a:t>
+            </a:r>
+            <a:endParaRPr lang="ko-KR" altLang="en-US" dirty="0"/>
+          </a:p>
+        </p:txBody>
+      </p:sp>
+      <p:sp>
+        <p:nvSpPr>
+          <p:cNvPr id="3" name="내용 개체 틀 2">
+            <a:extLst>
+              <a:ext uri="{FF2B5EF4-FFF2-40B4-BE49-F238E27FC236}">
+                <a16:creationId xmlns:a16="http://schemas.microsoft.com/office/drawing/2014/main" id="{2D70DF40-C1CF-E8DE-055D-07223DF9D6D7}"/>
+              </a:ext>
+            </a:extLst>
+          </p:cNvPr>
+          <p:cNvSpPr>
+            <a:spLocks noGrp="1"/>
+          </p:cNvSpPr>
+          <p:nvPr>
+            <p:ph idx="1"/>
+          </p:nvPr>
+        </p:nvSpPr>
+        <p:spPr/>
+        <p:txBody>
+          <a:bodyPr/>
+          <a:lstStyle/>
+          <a:p>
+            <a:pPr marL="0" indent="0">
+              <a:buNone/>
+            </a:pPr>
+            <a:r>
+              <a:rPr lang="ko-KR" altLang="en-US" dirty="0"/>
+              <a:t>영화 </a:t>
+            </a:r>
+            <a:r>
+              <a:rPr lang="en-US" altLang="ko-KR" dirty="0"/>
+              <a:t>3</a:t>
+            </a:r>
+            <a:r>
+              <a:rPr lang="ko-KR" altLang="en-US" dirty="0"/>
+              <a:t>사의 데이터를 크롤링하는 파일</a:t>
+            </a:r>
+            <a:r>
+              <a:rPr lang="en-US" altLang="ko-KR" dirty="0"/>
+              <a:t> </a:t>
+            </a:r>
+            <a:br>
+              <a:rPr lang="en-US" altLang="ko-KR" dirty="0"/>
+            </a:br>
+            <a:r>
+              <a:rPr lang="en-US" altLang="ko-KR" dirty="0"/>
+              <a:t>3</a:t>
+            </a:r>
+            <a:r>
+              <a:rPr lang="ko-KR" altLang="en-US" dirty="0"/>
+              <a:t>개의 리스트</a:t>
+            </a:r>
+            <a:r>
+              <a:rPr lang="en-US" altLang="ko-KR" dirty="0"/>
+              <a:t>(CGV, </a:t>
+            </a:r>
+            <a:r>
+              <a:rPr lang="en-US" altLang="ko-KR" dirty="0" err="1"/>
+              <a:t>lottecinema</a:t>
+            </a:r>
+            <a:r>
+              <a:rPr lang="en-US" altLang="ko-KR" dirty="0"/>
+              <a:t>, </a:t>
+            </a:r>
+            <a:r>
+              <a:rPr lang="en-US" altLang="ko-KR" dirty="0" err="1"/>
+              <a:t>megabox</a:t>
+            </a:r>
+            <a:r>
+              <a:rPr lang="en-US" altLang="ko-KR" dirty="0"/>
+              <a:t>)</a:t>
+            </a:r>
+            <a:r>
+              <a:rPr lang="ko-KR" altLang="en-US" dirty="0"/>
+              <a:t>를 생성하여</a:t>
+            </a:r>
+            <a:br>
+              <a:rPr lang="en-US" altLang="ko-KR" dirty="0"/>
+            </a:br>
+            <a:r>
+              <a:rPr lang="ko-KR" altLang="en-US" dirty="0"/>
+              <a:t>각 리스트의 요소 안에 </a:t>
+            </a:r>
+            <a:br>
+              <a:rPr lang="en-US" altLang="ko-KR" dirty="0"/>
+            </a:br>
+            <a:r>
+              <a:rPr lang="en-US" altLang="ko-KR" dirty="0"/>
+              <a:t>[[</a:t>
+            </a:r>
+            <a:r>
+              <a:rPr lang="ko-KR" altLang="en-US" dirty="0"/>
+              <a:t>영화 제목</a:t>
+            </a:r>
+            <a:r>
+              <a:rPr lang="en-US" altLang="ko-KR" dirty="0"/>
+              <a:t>, </a:t>
+            </a:r>
+            <a:r>
+              <a:rPr lang="ko-KR" altLang="en-US" dirty="0"/>
+              <a:t>평점</a:t>
+            </a:r>
+            <a:r>
+              <a:rPr lang="en-US" altLang="ko-KR" dirty="0"/>
+              <a:t>, </a:t>
+            </a:r>
+            <a:r>
+              <a:rPr lang="ko-KR" altLang="en-US" dirty="0"/>
+              <a:t>전체 </a:t>
+            </a:r>
+            <a:r>
+              <a:rPr lang="ko-KR" altLang="en-US" dirty="0" err="1"/>
+              <a:t>예매율</a:t>
+            </a:r>
+            <a:r>
+              <a:rPr lang="en-US" altLang="ko-KR" dirty="0"/>
+              <a:t>, </a:t>
+            </a:r>
+            <a:r>
+              <a:rPr lang="ko-KR" altLang="en-US" dirty="0"/>
+              <a:t>장르</a:t>
+            </a:r>
+            <a:r>
+              <a:rPr lang="en-US" altLang="ko-KR" dirty="0"/>
+              <a:t>], [</a:t>
+            </a:r>
+            <a:r>
+              <a:rPr lang="ko-KR" altLang="en-US" dirty="0"/>
+              <a:t>영화 제목</a:t>
+            </a:r>
+            <a:r>
+              <a:rPr lang="en-US" altLang="ko-KR" dirty="0"/>
+              <a:t>, </a:t>
+            </a:r>
+            <a:r>
+              <a:rPr lang="ko-KR" altLang="en-US" dirty="0"/>
+              <a:t>리뷰들 </a:t>
+            </a:r>
+            <a:r>
+              <a:rPr lang="en-US" altLang="ko-KR" dirty="0"/>
+              <a:t>(30</a:t>
+            </a:r>
+            <a:r>
+              <a:rPr lang="ko-KR" altLang="en-US" dirty="0"/>
+              <a:t>개</a:t>
+            </a:r>
+            <a:r>
+              <a:rPr lang="en-US" altLang="ko-KR" dirty="0"/>
+              <a:t>)]]</a:t>
+            </a:r>
+            <a:r>
+              <a:rPr lang="ko-KR" altLang="en-US" dirty="0"/>
+              <a:t>를 </a:t>
+            </a:r>
+            <a:br>
+              <a:rPr lang="en-US" altLang="ko-KR" dirty="0"/>
+            </a:br>
+            <a:r>
+              <a:rPr lang="ko-KR" altLang="en-US" dirty="0"/>
+              <a:t>저장하고</a:t>
+            </a:r>
+            <a:r>
+              <a:rPr lang="en-US" altLang="ko-KR" dirty="0"/>
+              <a:t> csv</a:t>
+            </a:r>
+            <a:r>
+              <a:rPr lang="ko-KR" altLang="en-US" dirty="0"/>
+              <a:t>로 다시 저장합니다</a:t>
+            </a:r>
+            <a:r>
+              <a:rPr lang="en-US" altLang="ko-KR" dirty="0"/>
+              <a:t>.</a:t>
+            </a:r>
+            <a:endParaRPr lang="ko-KR" altLang="en-US" dirty="0"/>
+          </a:p>
+        </p:txBody>
+      </p:sp>
+    </p:spTree>
+    <p:extLst>
+      <p:ext uri="{BB962C8B-B14F-4D97-AF65-F5344CB8AC3E}">
+        <p14:creationId xmlns:p14="http://schemas.microsoft.com/office/powerpoint/2010/main" val="2244370939"/>
+      </p:ext>
+    </p:extLst>
+  </p:cSld>
+  <p:clrMapOvr>
+    <a:masterClrMapping/>
+  </p:clrMapOvr>
+</p:sld>
+</file>
+
+<file path=ppt/slides/slide9.xml><?xml version="1.0" encoding="utf-8"?>
+<p:sld xmlns:a="http://schemas.openxmlformats.org/drawingml/2006/main" xmlns:r="http://schemas.openxmlformats.org/officeDocument/2006/relationships" xmlns:p="http://schemas.openxmlformats.org/presentationml/2006/main">
+  <p:cSld>
+    <p:spTree>
+      <p:nvGrpSpPr>
+        <p:cNvPr id="1" name=""/>
+        <p:cNvGrpSpPr/>
+        <p:nvPr/>
+      </p:nvGrpSpPr>
+      <p:grpSpPr>
+        <a:xfrm>
+          <a:off x="0" y="0"/>
+          <a:ext cx="0" cy="0"/>
+          <a:chOff x="0" y="0"/>
+          <a:chExt cx="0" cy="0"/>
+        </a:xfrm>
+      </p:grpSpPr>
+      <p:sp>
+        <p:nvSpPr>
+          <p:cNvPr id="2" name="제목 1">
+            <a:extLst>
+              <a:ext uri="{FF2B5EF4-FFF2-40B4-BE49-F238E27FC236}">
+                <a16:creationId xmlns:a16="http://schemas.microsoft.com/office/drawing/2014/main" id="{1D121055-DD0A-595B-4608-67C21B6F0070}"/>
+              </a:ext>
+            </a:extLst>
+          </p:cNvPr>
+          <p:cNvSpPr>
+            <a:spLocks noGrp="1"/>
+          </p:cNvSpPr>
+          <p:nvPr>
+            <p:ph type="title"/>
+          </p:nvPr>
+        </p:nvSpPr>
+        <p:spPr/>
+        <p:txBody>
+          <a:bodyPr/>
+          <a:lstStyle/>
+          <a:p>
+            <a:r>
+              <a:rPr lang="ko-KR" altLang="en-US" dirty="0"/>
+              <a:t>결과화면</a:t>
+            </a:r>
+          </a:p>
+        </p:txBody>
+      </p:sp>
+      <p:sp>
+        <p:nvSpPr>
+          <p:cNvPr id="3" name="내용 개체 틀 2">
+            <a:extLst>
+              <a:ext uri="{FF2B5EF4-FFF2-40B4-BE49-F238E27FC236}">
+                <a16:creationId xmlns:a16="http://schemas.microsoft.com/office/drawing/2014/main" id="{2D70DF40-C1CF-E8DE-055D-07223DF9D6D7}"/>
+              </a:ext>
+            </a:extLst>
+          </p:cNvPr>
+          <p:cNvSpPr>
+            <a:spLocks noGrp="1"/>
+          </p:cNvSpPr>
+          <p:nvPr>
+            <p:ph idx="1"/>
+          </p:nvPr>
+        </p:nvSpPr>
+        <p:spPr/>
+        <p:txBody>
+          <a:bodyPr>
+            <a:normAutofit/>
+          </a:bodyPr>
+          <a:lstStyle/>
+          <a:p>
+            <a:pPr marL="0" indent="0">
+              <a:buNone/>
+            </a:pPr>
+            <a:r>
+              <a:rPr lang="en-US" altLang="ko-KR" sz="4000" dirty="0"/>
+              <a:t>CGV</a:t>
+            </a:r>
+            <a:endParaRPr lang="ko-KR" altLang="en-US" sz="4000" dirty="0"/>
+          </a:p>
+        </p:txBody>
+      </p:sp>
+      <p:pic>
+        <p:nvPicPr>
+          <p:cNvPr id="7" name="그림 6" descr="스크린샷, 텍스트이(가) 표시된 사진&#10;&#10;자동 생성된 설명">
+            <a:extLst>
+              <a:ext uri="{FF2B5EF4-FFF2-40B4-BE49-F238E27FC236}">
+                <a16:creationId xmlns:a16="http://schemas.microsoft.com/office/drawing/2014/main" id="{542AF0CE-F423-A6FF-8BC7-2A7FF50DB8D6}"/>
+              </a:ext>
+            </a:extLst>
+          </p:cNvPr>
+          <p:cNvPicPr>
+            <a:picLocks noChangeAspect="1"/>
+          </p:cNvPicPr>
+          <p:nvPr/>
+        </p:nvPicPr>
+        <p:blipFill>
+          <a:blip r:embed="rId2">
+            <a:extLst>
+              <a:ext uri="{28A0092B-C50C-407E-A947-70E740481C1C}">
+                <a14:useLocalDpi xmlns:a14="http://schemas.microsoft.com/office/drawing/2010/main" val="0"/>
+              </a:ext>
+            </a:extLst>
+          </a:blip>
+          <a:stretch>
+            <a:fillRect/>
+          </a:stretch>
+        </p:blipFill>
+        <p:spPr>
+          <a:xfrm>
+            <a:off x="0" y="2191981"/>
+            <a:ext cx="12192000" cy="4666019"/>
+          </a:xfrm>
+          <a:prstGeom prst="rect">
+            <a:avLst/>
+          </a:prstGeom>
+        </p:spPr>
+      </p:pic>
+    </p:spTree>
+    <p:extLst>
+      <p:ext uri="{BB962C8B-B14F-4D97-AF65-F5344CB8AC3E}">
+        <p14:creationId xmlns:p14="http://schemas.microsoft.com/office/powerpoint/2010/main" val="1861739906"/>
       </p:ext>
     </p:extLst>
   </p:cSld>
